--- a/01_HTML.pptx
+++ b/01_HTML.pptx
@@ -4585,7 +4585,7 @@
                 <a:spcPct val="100000"/>
               </a:lnSpc>
             </a:pPr>
-            <a:fld id="{4D68FEAD-E892-4F99-8F3A-EF1778ED4450}" type="slidenum">
+            <a:fld id="{479AC17D-22FB-45BA-AB19-E06D26D81C93}" type="slidenum">
               <a:rPr b="0" lang="lt-LT" sz="900" spc="-1" strike="noStrike">
                 <a:solidFill>
                   <a:srgbClr val="3952a6"/>
@@ -5335,7 +5335,7 @@
                 <a:spcPct val="100000"/>
               </a:lnSpc>
             </a:pPr>
-            <a:fld id="{E616CA63-9006-46D7-9714-A5C8852A108A}" type="slidenum">
+            <a:fld id="{06963D33-CA5E-49E8-AEA1-6D51D98B4058}" type="slidenum">
               <a:rPr b="0" lang="lt-LT" sz="900" spc="-1" strike="noStrike">
                 <a:solidFill>
                   <a:srgbClr val="3952a6"/>
@@ -5854,7 +5854,7 @@
         </p:nvSpPr>
         <p:spPr>
           <a:xfrm flipH="1">
-            <a:off x="4549680" y="1266840"/>
+            <a:off x="4548960" y="1266840"/>
             <a:ext cx="2696760" cy="385560"/>
           </a:xfrm>
           <a:prstGeom prst="rtTriangle">
@@ -7926,7 +7926,7 @@
                 <a:latin typeface="Arial"/>
                 <a:ea typeface="Arial"/>
               </a:rPr>
-              <a:t> </a:t>
+              <a:t>Sukurti svetainės pagal nurodytą katalogų struktūrą paveikslėlyje. Visuose failuose turi būti nuorodą į namų puslapį (pagrindinį). Pagrindinis pabrauktas. </a:t>
             </a:r>
             <a:endParaRPr b="0" lang="lt-LT" sz="1800" spc="-1" strike="noStrike">
               <a:solidFill>
@@ -17731,7 +17731,7 @@
         <p:spPr>
           <a:xfrm>
             <a:off x="369720" y="1597320"/>
-            <a:ext cx="6470280" cy="346680"/>
+            <a:ext cx="6470280" cy="858240"/>
           </a:xfrm>
           <a:prstGeom prst="rect">
             <a:avLst/>
@@ -17757,6 +17757,46 @@
                 <a:latin typeface="Arial"/>
               </a:rPr>
               <a:t>&lt;canvas id="myCanvas" width="200" height="100"&gt;&lt;/canvas&gt;</a:t>
+            </a:r>
+            <a:endParaRPr b="0" lang="lt-LT" sz="1800" spc="-1" strike="noStrike">
+              <a:solidFill>
+                <a:srgbClr val="000000"/>
+              </a:solidFill>
+              <a:uFill>
+                <a:solidFill>
+                  <a:srgbClr val="ffffff"/>
+                </a:solidFill>
+              </a:uFill>
+              <a:latin typeface="Arial"/>
+            </a:endParaRPr>
+          </a:p>
+          <a:p>
+            <a:endParaRPr b="0" lang="lt-LT" sz="1800" spc="-1" strike="noStrike">
+              <a:solidFill>
+                <a:srgbClr val="000000"/>
+              </a:solidFill>
+              <a:uFill>
+                <a:solidFill>
+                  <a:srgbClr val="ffffff"/>
+                </a:solidFill>
+              </a:uFill>
+              <a:latin typeface="Arial"/>
+            </a:endParaRPr>
+          </a:p>
+          <a:p>
+            <a:r>
+              <a:rPr b="0" lang="lt-LT" sz="1800" spc="-1" strike="noStrike">
+                <a:solidFill>
+                  <a:srgbClr val="000000"/>
+                </a:solidFill>
+                <a:uFill>
+                  <a:solidFill>
+                    <a:srgbClr val="ffffff"/>
+                  </a:solidFill>
+                </a:uFill>
+                <a:latin typeface="Arial"/>
+              </a:rPr>
+              <a:t>Naudojamas su Javascript</a:t>
             </a:r>
             <a:endParaRPr b="0" lang="lt-LT" sz="1800" spc="-1" strike="noStrike">
               <a:solidFill>
